--- a/GIS - 4.pptx
+++ b/GIS - 4.pptx
@@ -123,7 +123,7 @@
   </p:defaultTextStyle>
   <p:extLst>
     <p:ext uri="{EFAFB233-063F-42B5-8137-9DF3F51BA10A}">
-      <p15:sldGuideLst xmlns:p15="http://schemas.microsoft.com/office/powerpoint/2012/main" xmlns="">
+      <p15:sldGuideLst xmlns="" xmlns:p15="http://schemas.microsoft.com/office/powerpoint/2012/main">
         <p15:guide id="1" orient="horz" pos="2160">
           <p15:clr>
             <a:srgbClr val="A4A3A4"/>
@@ -137,7 +137,7 @@
       </p15:sldGuideLst>
     </p:ext>
     <p:ext uri="{2D200454-40CA-4A62-9FC3-DE9A4176ACB9}">
-      <p15:notesGuideLst xmlns:p15="http://schemas.microsoft.com/office/powerpoint/2012/main" xmlns="">
+      <p15:notesGuideLst xmlns="" xmlns:p15="http://schemas.microsoft.com/office/powerpoint/2012/main">
         <p15:guide id="1" orient="horz" pos="3024">
           <p15:clr>
             <a:srgbClr val="A4A3A4"/>
@@ -237,7 +237,7 @@
             <a:fld id="{C5EE45E9-197A-47B1-AEF3-F977D17F169E}" type="datetimeFigureOut">
               <a:rPr lang="en-US" smtClean="0"/>
               <a:pPr/>
-              <a:t>12/31/2023</a:t>
+              <a:t>1/7/2024</a:t>
             </a:fld>
             <a:endParaRPr lang="en-US"/>
           </a:p>
@@ -404,7 +404,7 @@
             <a:fld id="{5DAE0583-90E0-4DC7-97CC-66F8E7253EC8}" type="datetimeFigureOut">
               <a:rPr lang="en-US" smtClean="0"/>
               <a:pPr/>
-              <a:t>12/31/2023</a:t>
+              <a:t>1/7/2024</a:t>
             </a:fld>
             <a:endParaRPr lang="en-US"/>
           </a:p>
@@ -1419,7 +1419,7 @@
             <a:fld id="{2B7B289A-B170-474C-83BE-E43F8EECF514}" type="datetime1">
               <a:rPr lang="en-US" smtClean="0"/>
               <a:pPr/>
-              <a:t>12/31/2023</a:t>
+              <a:t>1/7/2024</a:t>
             </a:fld>
             <a:endParaRPr lang="en-US" dirty="0"/>
           </a:p>
@@ -1682,7 +1682,7 @@
             <a:fld id="{EE82F729-F9EB-46E1-B6CA-A9DC3E44D512}" type="datetime1">
               <a:rPr lang="en-US" smtClean="0"/>
               <a:pPr/>
-              <a:t>12/31/2023</a:t>
+              <a:t>1/7/2024</a:t>
             </a:fld>
             <a:endParaRPr lang="en-US" dirty="0"/>
           </a:p>
@@ -2006,7 +2006,7 @@
             <a:fld id="{EE82F729-F9EB-46E1-B6CA-A9DC3E44D512}" type="datetime1">
               <a:rPr lang="en-US" smtClean="0"/>
               <a:pPr/>
-              <a:t>12/31/2023</a:t>
+              <a:t>1/7/2024</a:t>
             </a:fld>
             <a:endParaRPr lang="en-US" dirty="0"/>
           </a:p>
@@ -2349,7 +2349,7 @@
             <a:fld id="{EE82F729-F9EB-46E1-B6CA-A9DC3E44D512}" type="datetime1">
               <a:rPr lang="en-US" smtClean="0"/>
               <a:pPr/>
-              <a:t>12/31/2023</a:t>
+              <a:t>1/7/2024</a:t>
             </a:fld>
             <a:endParaRPr lang="en-US" dirty="0"/>
           </a:p>
@@ -2673,7 +2673,7 @@
             <a:fld id="{EE82F729-F9EB-46E1-B6CA-A9DC3E44D512}" type="datetime1">
               <a:rPr lang="en-US" smtClean="0"/>
               <a:pPr/>
-              <a:t>12/31/2023</a:t>
+              <a:t>1/7/2024</a:t>
             </a:fld>
             <a:endParaRPr lang="en-US" dirty="0"/>
           </a:p>
@@ -3076,7 +3076,7 @@
             <a:fld id="{EE82F729-F9EB-46E1-B6CA-A9DC3E44D512}" type="datetime1">
               <a:rPr lang="en-US" smtClean="0"/>
               <a:pPr/>
-              <a:t>12/31/2023</a:t>
+              <a:t>1/7/2024</a:t>
             </a:fld>
             <a:endParaRPr lang="en-US" dirty="0"/>
           </a:p>
@@ -3256,7 +3256,7 @@
             <a:fld id="{5A08E5B7-8E49-49B7-9AF5-D247E978963C}" type="datetime1">
               <a:rPr lang="en-US" smtClean="0"/>
               <a:pPr/>
-              <a:t>12/31/2023</a:t>
+              <a:t>1/7/2024</a:t>
             </a:fld>
             <a:endParaRPr lang="en-US" dirty="0"/>
           </a:p>
@@ -3448,7 +3448,7 @@
             <a:fld id="{9C053B17-04CC-42A2-A241-5129679C85A6}" type="datetime1">
               <a:rPr lang="en-US" smtClean="0"/>
               <a:pPr/>
-              <a:t>12/31/2023</a:t>
+              <a:t>1/7/2024</a:t>
             </a:fld>
             <a:endParaRPr lang="en-US" dirty="0"/>
           </a:p>
@@ -3630,7 +3630,7 @@
             <a:fld id="{71B1DC2A-56D1-4C31-9B84-F9D15B143A33}" type="datetime1">
               <a:rPr lang="en-US" smtClean="0"/>
               <a:pPr/>
-              <a:t>12/31/2023</a:t>
+              <a:t>1/7/2024</a:t>
             </a:fld>
             <a:endParaRPr lang="en-US" dirty="0"/>
           </a:p>
@@ -3889,7 +3889,7 @@
             <a:fld id="{F7B65DBE-61D1-4D82-8498-7BFFAD803BD2}" type="datetime1">
               <a:rPr lang="en-US" smtClean="0"/>
               <a:pPr/>
-              <a:t>12/31/2023</a:t>
+              <a:t>1/7/2024</a:t>
             </a:fld>
             <a:endParaRPr lang="en-US" dirty="0"/>
           </a:p>
@@ -4133,7 +4133,7 @@
             <a:fld id="{124BA780-7598-4459-A56B-D5F18339AB95}" type="datetime1">
               <a:rPr lang="en-US" smtClean="0"/>
               <a:pPr/>
-              <a:t>12/31/2023</a:t>
+              <a:t>1/7/2024</a:t>
             </a:fld>
             <a:endParaRPr lang="en-US" dirty="0"/>
           </a:p>
@@ -4519,7 +4519,7 @@
             <a:fld id="{5A6A054B-9EDA-43CD-B58C-33F3FA6837D0}" type="datetime1">
               <a:rPr lang="en-US" smtClean="0"/>
               <a:pPr/>
-              <a:t>12/31/2023</a:t>
+              <a:t>1/7/2024</a:t>
             </a:fld>
             <a:endParaRPr lang="en-US" dirty="0"/>
           </a:p>
@@ -4654,7 +4654,7 @@
             <a:fld id="{1FBCB103-F5FD-428B-B1C8-7D2EEAB33FFC}" type="datetime1">
               <a:rPr lang="en-US" smtClean="0"/>
               <a:pPr/>
-              <a:t>12/31/2023</a:t>
+              <a:t>1/7/2024</a:t>
             </a:fld>
             <a:endParaRPr lang="en-US" dirty="0"/>
           </a:p>
@@ -4761,7 +4761,7 @@
             <a:fld id="{99EC991E-AB61-4D79-94B3-8A4F23AC4641}" type="datetime1">
               <a:rPr lang="en-US" smtClean="0"/>
               <a:pPr/>
-              <a:t>12/31/2023</a:t>
+              <a:t>1/7/2024</a:t>
             </a:fld>
             <a:endParaRPr lang="en-US" dirty="0"/>
           </a:p>
@@ -5028,7 +5028,7 @@
             <a:fld id="{F56C0871-8C3E-4CBE-9C42-C92608223F22}" type="datetime1">
               <a:rPr lang="en-US" smtClean="0"/>
               <a:pPr/>
-              <a:t>12/31/2023</a:t>
+              <a:t>1/7/2024</a:t>
             </a:fld>
             <a:endParaRPr lang="en-US" dirty="0"/>
           </a:p>
@@ -5346,7 +5346,7 @@
             <a:fld id="{6661CC78-3771-4E36-859D-28880DA8B573}" type="datetime1">
               <a:rPr lang="en-US" smtClean="0"/>
               <a:pPr/>
-              <a:t>12/31/2023</a:t>
+              <a:t>1/7/2024</a:t>
             </a:fld>
             <a:endParaRPr lang="en-US" dirty="0"/>
           </a:p>
@@ -6059,7 +6059,7 @@
             <a:fld id="{EE82F729-F9EB-46E1-B6CA-A9DC3E44D512}" type="datetime1">
               <a:rPr lang="en-US" smtClean="0"/>
               <a:pPr/>
-              <a:t>12/31/2023</a:t>
+              <a:t>1/7/2024</a:t>
             </a:fld>
             <a:endParaRPr lang="en-US" dirty="0"/>
           </a:p>
@@ -6927,16 +6927,6 @@
               </a:rPr>
               <a:t>Errors in these aspects can impact the precision of the spatial information derived from the data.</a:t>
             </a:r>
-            <a:endParaRPr lang="en-US" sz="3500" dirty="0">
-              <a:solidFill>
-                <a:schemeClr val="tx1">
-                  <a:lumMod val="75000"/>
-                  <a:lumOff val="25000"/>
-                </a:schemeClr>
-              </a:solidFill>
-              <a:latin typeface="Times New Roman" panose="02020603050405020304" pitchFamily="18" charset="0"/>
-              <a:cs typeface="Times New Roman" panose="02020603050405020304" pitchFamily="18" charset="0"/>
-            </a:endParaRPr>
           </a:p>
         </p:txBody>
       </p:sp>
@@ -6972,7 +6962,20 @@
                 <a:latin typeface="Times New Roman" panose="02020603050405020304" pitchFamily="18" charset="0"/>
                 <a:cs typeface="Times New Roman" panose="02020603050405020304" pitchFamily="18" charset="0"/>
               </a:rPr>
-              <a:t>Calibration and Geometric Accuracy:* </a:t>
+              <a:t>Calibration and Geometric Accuracy</a:t>
+            </a:r>
+            <a:r>
+              <a:rPr lang="en-US" sz="2800" b="1" dirty="0" smtClean="0">
+                <a:solidFill>
+                  <a:schemeClr val="tx1">
+                    <a:lumMod val="75000"/>
+                    <a:lumOff val="25000"/>
+                  </a:schemeClr>
+                </a:solidFill>
+                <a:latin typeface="Times New Roman" panose="02020603050405020304" pitchFamily="18" charset="0"/>
+                <a:cs typeface="Times New Roman" panose="02020603050405020304" pitchFamily="18" charset="0"/>
+              </a:rPr>
+              <a:t>: </a:t>
             </a:r>
             <a:endParaRPr lang="en-US" sz="2800" b="1" dirty="0"/>
           </a:p>
@@ -7439,16 +7442,6 @@
               </a:rPr>
               <a:t>is typically done by using sensors on satellites, aircraft, or other platforms to collect data, which can include images and measurements of various environmental parameters. </a:t>
             </a:r>
-            <a:endParaRPr lang="en-US" sz="3200" dirty="0">
-              <a:solidFill>
-                <a:schemeClr val="tx1">
-                  <a:lumMod val="75000"/>
-                  <a:lumOff val="25000"/>
-                </a:schemeClr>
-              </a:solidFill>
-              <a:latin typeface="Times New Roman" panose="02020603050405020304" pitchFamily="18" charset="0"/>
-              <a:cs typeface="Times New Roman" panose="02020603050405020304" pitchFamily="18" charset="0"/>
-            </a:endParaRPr>
           </a:p>
         </p:txBody>
       </p:sp>
@@ -8452,10 +8445,6 @@
               </a:rPr>
               <a:t>sensing data can be integrated with other spatial data in GIS, such as vector data (e.g., roads, boundaries) and attribute data (e.g., population, land use), enhancing the overall understanding of a particular area.</a:t>
             </a:r>
-            <a:endParaRPr lang="en-US" sz="3500" dirty="0">
-              <a:latin typeface="Times New Roman" panose="02020603050405020304" pitchFamily="18" charset="0"/>
-              <a:cs typeface="Times New Roman" panose="02020603050405020304" pitchFamily="18" charset="0"/>
-            </a:endParaRPr>
           </a:p>
         </p:txBody>
       </p:sp>
@@ -9232,7 +9221,7 @@
   <a:extraClrSchemeLst/>
   <a:extLst>
     <a:ext uri="{05A4C25C-085E-4340-85A3-A5531E510DB2}">
-      <thm15:themeFamily xmlns:thm15="http://schemas.microsoft.com/office/thememl/2012/main" xmlns="" name="Facet" id="{C0C680CD-088A-49FC-A102-D699147F32B2}" vid="{0B5AB586-D108-4FC1-8368-649FE654B894}"/>
+      <thm15:themeFamily xmlns="" xmlns:thm15="http://schemas.microsoft.com/office/thememl/2012/main" name="Facet" id="{C0C680CD-088A-49FC-A102-D699147F32B2}" vid="{0B5AB586-D108-4FC1-8368-649FE654B894}"/>
     </a:ext>
   </a:extLst>
 </a:theme>
@@ -9493,7 +9482,7 @@
   <a:extraClrSchemeLst/>
   <a:extLst>
     <a:ext uri="{05A4C25C-085E-4340-85A3-A5531E510DB2}">
-      <thm15:themeFamily xmlns:thm15="http://schemas.microsoft.com/office/thememl/2012/main" xmlns="" name="Office Theme" id="{62F939B6-93AF-4DB8-9C6B-D6C7DFDC589F}" vid="{4A3C46E8-61CC-4603-A589-7422A47A8E4A}"/>
+      <thm15:themeFamily xmlns="" xmlns:thm15="http://schemas.microsoft.com/office/thememl/2012/main" name="Office Theme" id="{62F939B6-93AF-4DB8-9C6B-D6C7DFDC589F}" vid="{4A3C46E8-61CC-4603-A589-7422A47A8E4A}"/>
     </a:ext>
   </a:extLst>
 </a:theme>
@@ -9754,7 +9743,7 @@
   <a:extraClrSchemeLst/>
   <a:extLst>
     <a:ext uri="{05A4C25C-085E-4340-85A3-A5531E510DB2}">
-      <thm15:themeFamily xmlns:thm15="http://schemas.microsoft.com/office/thememl/2012/main" xmlns="" name="Office Theme" id="{62F939B6-93AF-4DB8-9C6B-D6C7DFDC589F}" vid="{4A3C46E8-61CC-4603-A589-7422A47A8E4A}"/>
+      <thm15:themeFamily xmlns="" xmlns:thm15="http://schemas.microsoft.com/office/thememl/2012/main" name="Office Theme" id="{62F939B6-93AF-4DB8-9C6B-D6C7DFDC589F}" vid="{4A3C46E8-61CC-4603-A589-7422A47A8E4A}"/>
     </a:ext>
   </a:extLst>
 </a:theme>
